--- a/php-fw9/PayPal.pptx
+++ b/php-fw9/PayPal.pptx
@@ -148,7 +148,7 @@
   </p:defaultTextStyle>
   <p:extLst>
     <p:ext uri="{EFAFB233-063F-42B5-8137-9DF3F51BA10A}">
-      <p15:sldGuideLst xmlns="" xmlns:p15="http://schemas.microsoft.com/office/powerpoint/2012/main">
+      <p15:sldGuideLst xmlns:p15="http://schemas.microsoft.com/office/powerpoint/2012/main">
         <p15:guide id="1" orient="horz" pos="2160">
           <p15:clr>
             <a:srgbClr val="A4A3A4"/>
@@ -162,7 +162,7 @@
       </p15:sldGuideLst>
     </p:ext>
     <p:ext uri="{2D200454-40CA-4A62-9FC3-DE9A4176ACB9}">
-      <p15:notesGuideLst xmlns="" xmlns:p15="http://schemas.microsoft.com/office/powerpoint/2012/main">
+      <p15:notesGuideLst xmlns:p15="http://schemas.microsoft.com/office/powerpoint/2012/main">
         <p15:guide id="1" orient="horz" pos="2880">
           <p15:clr>
             <a:srgbClr val="A4A3A4"/>
@@ -571,7 +571,7 @@
               </a14:hiddenFill>
             </a:ext>
             <a:ext uri="{FAA26D3D-D897-4be2-8F04-BA451C77F1D7}">
-              <ma14:placeholderFlag xmlns="" xmlns:ma14="http://schemas.microsoft.com/office/mac/drawingml/2011/main" val="1"/>
+              <ma14:placeholderFlag xmlns:ma14="http://schemas.microsoft.com/office/mac/drawingml/2011/main" xmlns="" val="1"/>
             </a:ext>
           </a:extLst>
         </p:spPr>
@@ -1113,7 +1113,7 @@
               </a14:hiddenLine>
             </a:ext>
             <a:ext uri="{FAA26D3D-D897-4be2-8F04-BA451C77F1D7}">
-              <ma14:placeholderFlag xmlns:ma14="http://schemas.microsoft.com/office/mac/drawingml/2011/main" xmlns="" val="1"/>
+              <ma14:placeholderFlag xmlns="" xmlns:ma14="http://schemas.microsoft.com/office/mac/drawingml/2011/main" val="1"/>
             </a:ext>
           </a:extLst>
         </p:spPr>
@@ -1363,7 +1363,7 @@
               </a14:hiddenLine>
             </a:ext>
             <a:ext uri="{FAA26D3D-D897-4be2-8F04-BA451C77F1D7}">
-              <ma14:placeholderFlag xmlns:ma14="http://schemas.microsoft.com/office/mac/drawingml/2011/main" xmlns="" val="1"/>
+              <ma14:placeholderFlag xmlns="" xmlns:ma14="http://schemas.microsoft.com/office/mac/drawingml/2011/main" val="1"/>
             </a:ext>
           </a:extLst>
         </p:spPr>
@@ -7441,7 +7441,7 @@
               </a14:hiddenLine>
             </a:ext>
             <a:ext uri="{FAA26D3D-D897-4be2-8F04-BA451C77F1D7}">
-              <ma14:placeholderFlag xmlns="" xmlns:ma14="http://schemas.microsoft.com/office/mac/drawingml/2011/main" val="1"/>
+              <ma14:placeholderFlag xmlns:ma14="http://schemas.microsoft.com/office/mac/drawingml/2011/main" xmlns="" val="1"/>
             </a:ext>
           </a:extLst>
         </p:spPr>
@@ -7502,7 +7502,7 @@
               </a14:hiddenLine>
             </a:ext>
             <a:ext uri="{FAA26D3D-D897-4be2-8F04-BA451C77F1D7}">
-              <ma14:placeholderFlag xmlns="" xmlns:ma14="http://schemas.microsoft.com/office/mac/drawingml/2011/main" val="1"/>
+              <ma14:placeholderFlag xmlns:ma14="http://schemas.microsoft.com/office/mac/drawingml/2011/main" xmlns="" val="1"/>
             </a:ext>
           </a:extLst>
         </p:spPr>
@@ -8650,10 +8650,14 @@
             </a:pPr>
             <a:r>
               <a:rPr lang="en-US" dirty="0" smtClean="0"/>
-              <a:t>  &lt;input type="hidden" name="business" value=“</a:t>
-            </a:r>
-            <a:r>
-              <a:rPr lang="en-US" dirty="0" err="1" smtClean="0"/>
+              <a:t>  &lt;input type="hidden" name="business" </a:t>
+            </a:r>
+            <a:r>
+              <a:rPr lang="en-US" dirty="0"/>
+              <a:t>value="</a:t>
+            </a:r>
+            <a:r>
+              <a:rPr lang="en-US" dirty="0" err="1"/>
               <a:t>youremail</a:t>
             </a:r>
             <a:r>
@@ -9275,7 +9279,7 @@
   <a:extraClrSchemeLst/>
   <a:extLst>
     <a:ext uri="{05A4C25C-085E-4340-85A3-A5531E510DB2}">
-      <thm15:themeFamily xmlns="" xmlns:thm15="http://schemas.microsoft.com/office/thememl/2012/main" name="Parallax" id="{3388167B-A2EB-4685-9635-1831D9AEF8C4}" vid="{4F7A876A-7598-49CA-AFC8-8EDA2551E4A7}"/>
+      <thm15:themeFamily xmlns:thm15="http://schemas.microsoft.com/office/thememl/2012/main" name="Parallax" id="{3388167B-A2EB-4685-9635-1831D9AEF8C4}" vid="{4F7A876A-7598-49CA-AFC8-8EDA2551E4A7}"/>
     </a:ext>
   </a:extLst>
 </a:theme>

--- a/php-fw9/PayPal.pptx
+++ b/php-fw9/PayPal.pptx
@@ -5,19 +5,20 @@
     <p:sldMasterId id="2147484302" r:id="rId1"/>
   </p:sldMasterIdLst>
   <p:notesMasterIdLst>
-    <p:notesMasterId r:id="rId9"/>
+    <p:notesMasterId r:id="rId10"/>
   </p:notesMasterIdLst>
   <p:handoutMasterIdLst>
-    <p:handoutMasterId r:id="rId10"/>
+    <p:handoutMasterId r:id="rId11"/>
   </p:handoutMasterIdLst>
   <p:sldIdLst>
     <p:sldId id="256" r:id="rId2"/>
     <p:sldId id="257" r:id="rId3"/>
     <p:sldId id="258" r:id="rId4"/>
     <p:sldId id="259" r:id="rId5"/>
-    <p:sldId id="260" r:id="rId6"/>
-    <p:sldId id="261" r:id="rId7"/>
-    <p:sldId id="262" r:id="rId8"/>
+    <p:sldId id="261" r:id="rId6"/>
+    <p:sldId id="263" r:id="rId7"/>
+    <p:sldId id="260" r:id="rId8"/>
+    <p:sldId id="262" r:id="rId9"/>
   </p:sldIdLst>
   <p:sldSz cx="9144000" cy="6858000" type="screen4x3"/>
   <p:notesSz cx="6858000" cy="9144000"/>
@@ -148,7 +149,7 @@
   </p:defaultTextStyle>
   <p:extLst>
     <p:ext uri="{EFAFB233-063F-42B5-8137-9DF3F51BA10A}">
-      <p15:sldGuideLst xmlns:p15="http://schemas.microsoft.com/office/powerpoint/2012/main">
+      <p15:sldGuideLst xmlns:p15="http://schemas.microsoft.com/office/powerpoint/2012/main" xmlns="">
         <p15:guide id="1" orient="horz" pos="2160">
           <p15:clr>
             <a:srgbClr val="A4A3A4"/>
@@ -162,7 +163,7 @@
       </p15:sldGuideLst>
     </p:ext>
     <p:ext uri="{2D200454-40CA-4A62-9FC3-DE9A4176ACB9}">
-      <p15:notesGuideLst xmlns:p15="http://schemas.microsoft.com/office/powerpoint/2012/main">
+      <p15:notesGuideLst xmlns:p15="http://schemas.microsoft.com/office/powerpoint/2012/main" xmlns="">
         <p15:guide id="1" orient="horz" pos="2880">
           <p15:clr>
             <a:srgbClr val="A4A3A4"/>
@@ -571,7 +572,7 @@
               </a14:hiddenFill>
             </a:ext>
             <a:ext uri="{FAA26D3D-D897-4be2-8F04-BA451C77F1D7}">
-              <ma14:placeholderFlag xmlns:ma14="http://schemas.microsoft.com/office/mac/drawingml/2011/main" xmlns="" val="1"/>
+              <ma14:placeholderFlag xmlns="" xmlns:ma14="http://schemas.microsoft.com/office/mac/drawingml/2011/main" val="1"/>
             </a:ext>
           </a:extLst>
         </p:spPr>
@@ -1113,7 +1114,7 @@
               </a14:hiddenLine>
             </a:ext>
             <a:ext uri="{FAA26D3D-D897-4be2-8F04-BA451C77F1D7}">
-              <ma14:placeholderFlag xmlns="" xmlns:ma14="http://schemas.microsoft.com/office/mac/drawingml/2011/main" val="1"/>
+              <ma14:placeholderFlag xmlns:ma14="http://schemas.microsoft.com/office/mac/drawingml/2011/main" xmlns="" val="1"/>
             </a:ext>
           </a:extLst>
         </p:spPr>
@@ -1311,7 +1312,7 @@
                   <a:spcPct val="0"/>
                 </a:spcBef>
               </a:pPr>
-              <a:t>7</a:t>
+              <a:t>8</a:t>
             </a:fld>
             <a:endParaRPr kumimoji="0" lang="en-US" altLang="zh-TW"/>
           </a:p>
@@ -1363,7 +1364,7 @@
               </a14:hiddenLine>
             </a:ext>
             <a:ext uri="{FAA26D3D-D897-4be2-8F04-BA451C77F1D7}">
-              <ma14:placeholderFlag xmlns="" xmlns:ma14="http://schemas.microsoft.com/office/mac/drawingml/2011/main" val="1"/>
+              <ma14:placeholderFlag xmlns:ma14="http://schemas.microsoft.com/office/mac/drawingml/2011/main" xmlns="" val="1"/>
             </a:ext>
           </a:extLst>
         </p:spPr>
@@ -7441,7 +7442,7 @@
               </a14:hiddenLine>
             </a:ext>
             <a:ext uri="{FAA26D3D-D897-4be2-8F04-BA451C77F1D7}">
-              <ma14:placeholderFlag xmlns:ma14="http://schemas.microsoft.com/office/mac/drawingml/2011/main" xmlns="" val="1"/>
+              <ma14:placeholderFlag xmlns="" xmlns:ma14="http://schemas.microsoft.com/office/mac/drawingml/2011/main" val="1"/>
             </a:ext>
           </a:extLst>
         </p:spPr>
@@ -7502,7 +7503,7 @@
               </a14:hiddenLine>
             </a:ext>
             <a:ext uri="{FAA26D3D-D897-4be2-8F04-BA451C77F1D7}">
-              <ma14:placeholderFlag xmlns:ma14="http://schemas.microsoft.com/office/mac/drawingml/2011/main" xmlns="" val="1"/>
+              <ma14:placeholderFlag xmlns="" xmlns:ma14="http://schemas.microsoft.com/office/mac/drawingml/2011/main" val="1"/>
             </a:ext>
           </a:extLst>
         </p:spPr>
@@ -8534,8 +8535,16 @@
           <a:lstStyle/>
           <a:p>
             <a:r>
-              <a:rPr lang="en-US" dirty="0" smtClean="0"/>
-              <a:t>https://developer.paypal.com/docs/classic/paypal-payments-standard/integration-guide/formbasics/</a:t>
+              <a:rPr lang="en-US" dirty="0" smtClean="0">
+                <a:hlinkClick r:id="rId2"/>
+              </a:rPr>
+              <a:t>https://developer.paypal.com/docs/classic/paypal-payments-standard/integration-guide/formbasics</a:t>
+            </a:r>
+            <a:r>
+              <a:rPr lang="en-US" dirty="0" smtClean="0">
+                <a:hlinkClick r:id="rId2"/>
+              </a:rPr>
+              <a:t>/</a:t>
             </a:r>
             <a:endParaRPr lang="en-US" dirty="0"/>
           </a:p>
@@ -8650,14 +8659,10 @@
             </a:pPr>
             <a:r>
               <a:rPr lang="en-US" dirty="0" smtClean="0"/>
-              <a:t>  &lt;input type="hidden" name="business" </a:t>
-            </a:r>
-            <a:r>
-              <a:rPr lang="en-US" dirty="0"/>
-              <a:t>value="</a:t>
-            </a:r>
-            <a:r>
-              <a:rPr lang="en-US" dirty="0" err="1"/>
+              <a:t>  &lt;input type="hidden" name="business" value="</a:t>
+            </a:r>
+            <a:r>
+              <a:rPr lang="en-US" dirty="0" err="1" smtClean="0"/>
               <a:t>youremail</a:t>
             </a:r>
             <a:r>
@@ -8826,7 +8831,7 @@
           <a:p>
             <a:r>
               <a:rPr lang="en-US" dirty="0" smtClean="0"/>
-              <a:t>Currency</a:t>
+              <a:t>Buy Now button</a:t>
             </a:r>
             <a:endParaRPr lang="en-US" dirty="0"/>
           </a:p>
@@ -8848,9 +8853,20 @@
           <a:lstStyle/>
           <a:p>
             <a:r>
-              <a:rPr lang="en-US" dirty="0" smtClean="0"/>
-              <a:t>https://developer.paypal.com/docs/classic/api/currency_codes/#id09A6G0U0GYK</a:t>
-            </a:r>
+              <a:rPr lang="en-US" dirty="0" smtClean="0">
+                <a:hlinkClick r:id="rId2"/>
+              </a:rPr>
+              <a:t>https://developer.paypal.com/docs/classic/paypal-payments-standard/integration-guide/buy_now_step_1</a:t>
+            </a:r>
+            <a:r>
+              <a:rPr lang="en-US" dirty="0" smtClean="0">
+                <a:hlinkClick r:id="rId2"/>
+              </a:rPr>
+              <a:t>/</a:t>
+            </a:r>
+            <a:endParaRPr lang="en-US" dirty="0" smtClean="0"/>
+          </a:p>
+          <a:p>
             <a:endParaRPr lang="en-US" dirty="0"/>
           </a:p>
         </p:txBody>
@@ -8858,7 +8874,7 @@
     </p:spTree>
     <p:extLst>
       <p:ext uri="{BB962C8B-B14F-4D97-AF65-F5344CB8AC3E}">
-        <p14:creationId xmlns:p14="http://schemas.microsoft.com/office/powerpoint/2010/main" val="2148506704"/>
+        <p14:creationId xmlns:p14="http://schemas.microsoft.com/office/powerpoint/2010/main" val="3581927406"/>
       </p:ext>
     </p:extLst>
   </p:cSld>
@@ -8902,7 +8918,7 @@
           <a:p>
             <a:r>
               <a:rPr lang="en-US" dirty="0" smtClean="0"/>
-              <a:t>Buy Now button</a:t>
+              <a:t>paypal.txt</a:t>
             </a:r>
             <a:endParaRPr lang="en-US" dirty="0"/>
           </a:p>
@@ -8920,12 +8936,174 @@
         </p:nvSpPr>
         <p:spPr/>
         <p:txBody>
-          <a:bodyPr/>
+          <a:bodyPr>
+            <a:normAutofit fontScale="70000" lnSpcReduction="20000"/>
+          </a:bodyPr>
           <a:lstStyle/>
           <a:p>
+            <a:pPr marL="0" indent="0">
+              <a:buNone/>
+            </a:pPr>
             <a:r>
               <a:rPr lang="en-US" dirty="0" smtClean="0"/>
-              <a:t>https://developer.paypal.com/docs/classic/paypal-payments-standard/integration-guide/buy_now_step_1/</a:t>
+              <a:t>&lt;form action="https://www.paypal.com/cgi-bin/webscr" method="post"&gt;</a:t>
+            </a:r>
+          </a:p>
+          <a:p>
+            <a:pPr marL="0" indent="0">
+              <a:buNone/>
+            </a:pPr>
+            <a:r>
+              <a:rPr lang="en-US" dirty="0" smtClean="0"/>
+              <a:t>  &lt;input type="hidden" name="</a:t>
+            </a:r>
+            <a:r>
+              <a:rPr lang="en-US" dirty="0" err="1" smtClean="0"/>
+              <a:t>cmd</a:t>
+            </a:r>
+            <a:r>
+              <a:rPr lang="en-US" dirty="0" smtClean="0"/>
+              <a:t>" value="_</a:t>
+            </a:r>
+            <a:r>
+              <a:rPr lang="en-US" dirty="0" err="1" smtClean="0"/>
+              <a:t>xclick</a:t>
+            </a:r>
+            <a:r>
+              <a:rPr lang="en-US" dirty="0" smtClean="0"/>
+              <a:t>"&gt;</a:t>
+            </a:r>
+          </a:p>
+          <a:p>
+            <a:pPr marL="0" indent="0">
+              <a:buNone/>
+            </a:pPr>
+            <a:r>
+              <a:rPr lang="en-US" dirty="0" smtClean="0"/>
+              <a:t>  &lt;input type="hidden" name="business" </a:t>
+            </a:r>
+            <a:r>
+              <a:rPr lang="en-US" dirty="0"/>
+              <a:t>value="</a:t>
+            </a:r>
+            <a:r>
+              <a:rPr lang="en-US" dirty="0" err="1"/>
+              <a:t>youremail</a:t>
+            </a:r>
+            <a:r>
+              <a:rPr lang="en-US" dirty="0" smtClean="0"/>
+              <a:t>"&gt;</a:t>
+            </a:r>
+          </a:p>
+          <a:p>
+            <a:pPr marL="0" indent="0">
+              <a:buNone/>
+            </a:pPr>
+            <a:r>
+              <a:rPr lang="en-US" dirty="0" smtClean="0"/>
+              <a:t>  &lt;input type="hidden" name="</a:t>
+            </a:r>
+            <a:r>
+              <a:rPr lang="en-US" dirty="0" err="1" smtClean="0"/>
+              <a:t>item_name</a:t>
+            </a:r>
+            <a:r>
+              <a:rPr lang="en-US" dirty="0" smtClean="0"/>
+              <a:t>" value="&lt;?</a:t>
+            </a:r>
+            <a:r>
+              <a:rPr lang="en-US" dirty="0" err="1" smtClean="0"/>
+              <a:t>php</a:t>
+            </a:r>
+            <a:r>
+              <a:rPr lang="en-US" dirty="0" smtClean="0"/>
+              <a:t> echo $record['name']; ?&gt;"&gt;</a:t>
+            </a:r>
+          </a:p>
+          <a:p>
+            <a:pPr marL="0" indent="0">
+              <a:buNone/>
+            </a:pPr>
+            <a:r>
+              <a:rPr lang="en-US" dirty="0" smtClean="0"/>
+              <a:t>  &lt;input type="hidden" name="</a:t>
+            </a:r>
+            <a:r>
+              <a:rPr lang="en-US" dirty="0" err="1" smtClean="0"/>
+              <a:t>item_number</a:t>
+            </a:r>
+            <a:r>
+              <a:rPr lang="en-US" dirty="0" smtClean="0"/>
+              <a:t>" value="&lt;?</a:t>
+            </a:r>
+            <a:r>
+              <a:rPr lang="en-US" dirty="0" err="1" smtClean="0"/>
+              <a:t>php</a:t>
+            </a:r>
+            <a:r>
+              <a:rPr lang="en-US" dirty="0" smtClean="0"/>
+              <a:t> echo $record['id']; ?&gt;"&gt;</a:t>
+            </a:r>
+          </a:p>
+          <a:p>
+            <a:pPr marL="0" indent="0">
+              <a:buNone/>
+            </a:pPr>
+            <a:r>
+              <a:rPr lang="en-US" dirty="0" smtClean="0"/>
+              <a:t>  &lt;input type="hidden" name="amount" value="&lt;?</a:t>
+            </a:r>
+            <a:r>
+              <a:rPr lang="en-US" dirty="0" err="1" smtClean="0"/>
+              <a:t>php</a:t>
+            </a:r>
+            <a:r>
+              <a:rPr lang="en-US" dirty="0" smtClean="0"/>
+              <a:t> echo $record['price']; ?&gt;"&gt;</a:t>
+            </a:r>
+          </a:p>
+          <a:p>
+            <a:pPr marL="0" indent="0">
+              <a:buNone/>
+            </a:pPr>
+            <a:r>
+              <a:rPr lang="en-US" dirty="0" smtClean="0"/>
+              <a:t>  &lt;input type="image" name="submit"</a:t>
+            </a:r>
+          </a:p>
+          <a:p>
+            <a:pPr marL="0" indent="0">
+              <a:buNone/>
+            </a:pPr>
+            <a:r>
+              <a:rPr lang="en-US" dirty="0" smtClean="0"/>
+              <a:t>    </a:t>
+            </a:r>
+            <a:r>
+              <a:rPr lang="en-US" dirty="0" err="1" smtClean="0"/>
+              <a:t>src</a:t>
+            </a:r>
+            <a:r>
+              <a:rPr lang="en-US" dirty="0" smtClean="0"/>
+              <a:t>="https://www.paypalobjects.com/en_US/i/btn/btn_buynow_LG.gif"</a:t>
+            </a:r>
+          </a:p>
+          <a:p>
+            <a:pPr marL="0" indent="0">
+              <a:buNone/>
+            </a:pPr>
+            <a:r>
+              <a:rPr lang="en-US" dirty="0" smtClean="0"/>
+              <a:t>    alt="PayPal - The safer, easier way to pay online"&gt;</a:t>
+            </a:r>
+          </a:p>
+          <a:p>
+            <a:pPr marL="0" indent="0">
+              <a:buNone/>
+            </a:pPr>
+            <a:r>
+              <a:rPr lang="en-US" dirty="0" smtClean="0"/>
+              <a:t>&lt;/form&gt;</a:t>
             </a:r>
             <a:endParaRPr lang="en-US" dirty="0"/>
           </a:p>
@@ -8934,7 +9112,7 @@
     </p:spTree>
     <p:extLst>
       <p:ext uri="{BB962C8B-B14F-4D97-AF65-F5344CB8AC3E}">
-        <p14:creationId xmlns:p14="http://schemas.microsoft.com/office/powerpoint/2010/main" val="3581927406"/>
+        <p14:creationId xmlns:p14="http://schemas.microsoft.com/office/powerpoint/2010/main" val="79936913"/>
       </p:ext>
     </p:extLst>
   </p:cSld>
@@ -8945,6 +9123,117 @@
 </file>
 
 <file path=ppt/slides/slide7.xml><?xml version="1.0" encoding="utf-8"?>
+<p:sld xmlns:a="http://schemas.openxmlformats.org/drawingml/2006/main" xmlns:r="http://schemas.openxmlformats.org/officeDocument/2006/relationships" xmlns:p="http://schemas.openxmlformats.org/presentationml/2006/main">
+  <p:cSld>
+    <p:spTree>
+      <p:nvGrpSpPr>
+        <p:cNvPr id="1" name=""/>
+        <p:cNvGrpSpPr/>
+        <p:nvPr/>
+      </p:nvGrpSpPr>
+      <p:grpSpPr>
+        <a:xfrm>
+          <a:off x="0" y="0"/>
+          <a:ext cx="0" cy="0"/>
+          <a:chOff x="0" y="0"/>
+          <a:chExt cx="0" cy="0"/>
+        </a:xfrm>
+      </p:grpSpPr>
+      <p:sp>
+        <p:nvSpPr>
+          <p:cNvPr id="2" name="Title 1"/>
+          <p:cNvSpPr>
+            <a:spLocks noGrp="1"/>
+          </p:cNvSpPr>
+          <p:nvPr>
+            <p:ph type="title"/>
+          </p:nvPr>
+        </p:nvSpPr>
+        <p:spPr/>
+        <p:txBody>
+          <a:bodyPr/>
+          <a:lstStyle/>
+          <a:p>
+            <a:r>
+              <a:rPr lang="en-US" dirty="0" smtClean="0"/>
+              <a:t>Currency</a:t>
+            </a:r>
+            <a:endParaRPr lang="en-US" dirty="0"/>
+          </a:p>
+        </p:txBody>
+      </p:sp>
+      <p:sp>
+        <p:nvSpPr>
+          <p:cNvPr id="3" name="Content Placeholder 2"/>
+          <p:cNvSpPr>
+            <a:spLocks noGrp="1"/>
+          </p:cNvSpPr>
+          <p:nvPr>
+            <p:ph idx="1"/>
+          </p:nvPr>
+        </p:nvSpPr>
+        <p:spPr/>
+        <p:txBody>
+          <a:bodyPr/>
+          <a:lstStyle/>
+          <a:p>
+            <a:r>
+              <a:rPr lang="en-US" dirty="0" smtClean="0">
+                <a:hlinkClick r:id="rId2"/>
+              </a:rPr>
+              <a:t>https://developer.paypal.com/docs/classic/api/currency_codes/#</a:t>
+            </a:r>
+            <a:r>
+              <a:rPr lang="en-US" dirty="0" smtClean="0">
+                <a:hlinkClick r:id="rId2"/>
+              </a:rPr>
+              <a:t>id09A6G0U0GYK</a:t>
+            </a:r>
+            <a:endParaRPr lang="en-US" dirty="0" smtClean="0"/>
+          </a:p>
+          <a:p>
+            <a:r>
+              <a:rPr lang="en-US" dirty="0" smtClean="0"/>
+              <a:t>&lt;</a:t>
+            </a:r>
+            <a:r>
+              <a:rPr lang="en-US" dirty="0"/>
+              <a:t>input type="hidden" name</a:t>
+            </a:r>
+            <a:r>
+              <a:rPr lang="en-US" dirty="0" smtClean="0"/>
+              <a:t>="</a:t>
+            </a:r>
+            <a:r>
+              <a:rPr lang="en-US" altLang="zh-HK" dirty="0" err="1"/>
+              <a:t>currency_code</a:t>
+            </a:r>
+            <a:r>
+              <a:rPr lang="en-US" dirty="0" smtClean="0"/>
+              <a:t>" </a:t>
+            </a:r>
+            <a:r>
+              <a:rPr lang="en-US" dirty="0"/>
+              <a:t>value="HKD"&gt;</a:t>
+            </a:r>
+            <a:endParaRPr lang="en-US" dirty="0"/>
+          </a:p>
+        </p:txBody>
+      </p:sp>
+    </p:spTree>
+    <p:extLst>
+      <p:ext uri="{BB962C8B-B14F-4D97-AF65-F5344CB8AC3E}">
+        <p14:creationId xmlns:p14="http://schemas.microsoft.com/office/powerpoint/2010/main" val="2148506704"/>
+      </p:ext>
+    </p:extLst>
+  </p:cSld>
+  <p:clrMapOvr>
+    <a:masterClrMapping/>
+  </p:clrMapOvr>
+</p:sld>
+</file>
+
+<file path=ppt/slides/slide8.xml><?xml version="1.0" encoding="utf-8"?>
 <p:sld xmlns:a="http://schemas.openxmlformats.org/drawingml/2006/main" xmlns:r="http://schemas.openxmlformats.org/officeDocument/2006/relationships" xmlns:p="http://schemas.openxmlformats.org/presentationml/2006/main">
   <p:cSld>
     <p:spTree>
@@ -9279,7 +9568,7 @@
   <a:extraClrSchemeLst/>
   <a:extLst>
     <a:ext uri="{05A4C25C-085E-4340-85A3-A5531E510DB2}">
-      <thm15:themeFamily xmlns:thm15="http://schemas.microsoft.com/office/thememl/2012/main" name="Parallax" id="{3388167B-A2EB-4685-9635-1831D9AEF8C4}" vid="{4F7A876A-7598-49CA-AFC8-8EDA2551E4A7}"/>
+      <thm15:themeFamily xmlns:thm15="http://schemas.microsoft.com/office/thememl/2012/main" xmlns="" name="Parallax" id="{3388167B-A2EB-4685-9635-1831D9AEF8C4}" vid="{4F7A876A-7598-49CA-AFC8-8EDA2551E4A7}"/>
     </a:ext>
   </a:extLst>
 </a:theme>
